--- a/Mid_Year_Teague.pptx
+++ b/Mid_Year_Teague.pptx
@@ -302,7 +302,7 @@
           <a:p>
             <a:fld id="{C7EFB4DF-8C9D-43A5-8A22-1A47365C261C}" type="datetimeFigureOut">
               <a:rPr lang="en-US" smtClean="0"/>
-              <a:t>11/23/2020</a:t>
+              <a:t>11/29/2020</a:t>
             </a:fld>
             <a:endParaRPr lang="en-US"/>
           </a:p>
@@ -478,7 +478,7 @@
           <a:p>
             <a:fld id="{C7EFB4DF-8C9D-43A5-8A22-1A47365C261C}" type="datetimeFigureOut">
               <a:rPr lang="en-US" smtClean="0"/>
-              <a:t>11/23/2020</a:t>
+              <a:t>11/29/2020</a:t>
             </a:fld>
             <a:endParaRPr lang="en-US"/>
           </a:p>
@@ -659,7 +659,7 @@
           <a:p>
             <a:fld id="{C7EFB4DF-8C9D-43A5-8A22-1A47365C261C}" type="datetimeFigureOut">
               <a:rPr lang="en-US" smtClean="0"/>
-              <a:t>11/23/2020</a:t>
+              <a:t>11/29/2020</a:t>
             </a:fld>
             <a:endParaRPr lang="en-US"/>
           </a:p>
@@ -754,7 +754,7 @@
           <a:p>
             <a:fld id="{C7EFB4DF-8C9D-43A5-8A22-1A47365C261C}" type="datetimeFigureOut">
               <a:rPr lang="en-US" smtClean="0"/>
-              <a:t>11/23/2020</a:t>
+              <a:t>11/29/2020</a:t>
             </a:fld>
             <a:endParaRPr lang="en-US"/>
           </a:p>
@@ -889,7 +889,7 @@
           <a:p>
             <a:fld id="{C7EFB4DF-8C9D-43A5-8A22-1A47365C261C}" type="datetimeFigureOut">
               <a:rPr lang="en-US" smtClean="0"/>
-              <a:t>11/23/2020</a:t>
+              <a:t>11/29/2020</a:t>
             </a:fld>
             <a:endParaRPr lang="en-US"/>
           </a:p>
@@ -1187,7 +1187,7 @@
               <a:pPr>
                 <a:defRPr/>
               </a:pPr>
-              <a:t>11/23/2020</a:t>
+              <a:t>11/29/2020</a:t>
             </a:fld>
             <a:endParaRPr lang="en-US"/>
           </a:p>
@@ -1406,7 +1406,7 @@
               <a:pPr>
                 <a:defRPr/>
               </a:pPr>
-              <a:t>11/23/2020</a:t>
+              <a:t>11/29/2020</a:t>
             </a:fld>
             <a:endParaRPr lang="en-US"/>
           </a:p>
@@ -1702,7 +1702,7 @@
               <a:pPr>
                 <a:defRPr/>
               </a:pPr>
-              <a:t>11/23/2020</a:t>
+              <a:t>11/29/2020</a:t>
             </a:fld>
             <a:endParaRPr lang="en-US"/>
           </a:p>
@@ -2038,7 +2038,7 @@
               <a:pPr>
                 <a:defRPr/>
               </a:pPr>
-              <a:t>11/23/2020</a:t>
+              <a:t>11/29/2020</a:t>
             </a:fld>
             <a:endParaRPr lang="en-US"/>
           </a:p>
@@ -2508,7 +2508,7 @@
               <a:pPr>
                 <a:defRPr/>
               </a:pPr>
-              <a:t>11/23/2020</a:t>
+              <a:t>11/29/2020</a:t>
             </a:fld>
             <a:endParaRPr lang="en-US"/>
           </a:p>
@@ -2676,7 +2676,7 @@
               <a:pPr>
                 <a:defRPr/>
               </a:pPr>
-              <a:t>11/23/2020</a:t>
+              <a:t>11/29/2020</a:t>
             </a:fld>
             <a:endParaRPr lang="en-US"/>
           </a:p>
@@ -2885,7 +2885,7 @@
           <a:p>
             <a:fld id="{C7EFB4DF-8C9D-43A5-8A22-1A47365C261C}" type="datetimeFigureOut">
               <a:rPr lang="en-US" smtClean="0"/>
-              <a:t>11/23/2020</a:t>
+              <a:t>11/29/2020</a:t>
             </a:fld>
             <a:endParaRPr lang="en-US"/>
           </a:p>
@@ -2998,7 +2998,7 @@
               <a:pPr>
                 <a:defRPr/>
               </a:pPr>
-              <a:t>11/23/2020</a:t>
+              <a:t>11/29/2020</a:t>
             </a:fld>
             <a:endParaRPr lang="en-US"/>
           </a:p>
@@ -3324,7 +3324,7 @@
               <a:pPr>
                 <a:defRPr/>
               </a:pPr>
-              <a:t>11/23/2020</a:t>
+              <a:t>11/29/2020</a:t>
             </a:fld>
             <a:endParaRPr lang="en-US"/>
           </a:p>
@@ -3605,7 +3605,7 @@
           <a:p>
             <a:fld id="{C7EFB4DF-8C9D-43A5-8A22-1A47365C261C}" type="datetimeFigureOut">
               <a:rPr lang="en-US" smtClean="0"/>
-              <a:t>11/23/2020</a:t>
+              <a:t>11/29/2020</a:t>
             </a:fld>
             <a:endParaRPr lang="en-US"/>
           </a:p>
@@ -3898,7 +3898,7 @@
           <a:p>
             <a:fld id="{C7EFB4DF-8C9D-43A5-8A22-1A47365C261C}" type="datetimeFigureOut">
               <a:rPr lang="en-US" smtClean="0"/>
-              <a:t>11/23/2020</a:t>
+              <a:t>11/29/2020</a:t>
             </a:fld>
             <a:endParaRPr lang="en-US"/>
           </a:p>
@@ -4325,7 +4325,7 @@
           <a:p>
             <a:fld id="{C7EFB4DF-8C9D-43A5-8A22-1A47365C261C}" type="datetimeFigureOut">
               <a:rPr lang="en-US" smtClean="0"/>
-              <a:t>11/23/2020</a:t>
+              <a:t>11/29/2020</a:t>
             </a:fld>
             <a:endParaRPr lang="en-US"/>
           </a:p>
@@ -4450,7 +4450,7 @@
           <a:p>
             <a:fld id="{C7EFB4DF-8C9D-43A5-8A22-1A47365C261C}" type="datetimeFigureOut">
               <a:rPr lang="en-US" smtClean="0"/>
-              <a:t>11/23/2020</a:t>
+              <a:t>11/29/2020</a:t>
             </a:fld>
             <a:endParaRPr lang="en-US"/>
           </a:p>
@@ -4545,7 +4545,7 @@
           <a:p>
             <a:fld id="{C7EFB4DF-8C9D-43A5-8A22-1A47365C261C}" type="datetimeFigureOut">
               <a:rPr lang="en-US" smtClean="0"/>
-              <a:t>11/23/2020</a:t>
+              <a:t>11/29/2020</a:t>
             </a:fld>
             <a:endParaRPr lang="en-US"/>
           </a:p>
@@ -4823,7 +4823,7 @@
           <a:p>
             <a:fld id="{C7EFB4DF-8C9D-43A5-8A22-1A47365C261C}" type="datetimeFigureOut">
               <a:rPr lang="en-US" smtClean="0"/>
-              <a:t>11/23/2020</a:t>
+              <a:t>11/29/2020</a:t>
             </a:fld>
             <a:endParaRPr lang="en-US"/>
           </a:p>
@@ -5081,7 +5081,7 @@
           <a:p>
             <a:fld id="{C7EFB4DF-8C9D-43A5-8A22-1A47365C261C}" type="datetimeFigureOut">
               <a:rPr lang="en-US" smtClean="0"/>
-              <a:t>11/23/2020</a:t>
+              <a:t>11/29/2020</a:t>
             </a:fld>
             <a:endParaRPr lang="en-US"/>
           </a:p>
@@ -5260,7 +5260,7 @@
           <a:p>
             <a:fld id="{C7EFB4DF-8C9D-43A5-8A22-1A47365C261C}" type="datetimeFigureOut">
               <a:rPr lang="en-US" smtClean="0"/>
-              <a:t>11/23/2020</a:t>
+              <a:t>11/29/2020</a:t>
             </a:fld>
             <a:endParaRPr lang="en-US"/>
           </a:p>
@@ -5945,7 +5945,7 @@
               <a:pPr>
                 <a:defRPr/>
               </a:pPr>
-              <a:t>11/23/2020</a:t>
+              <a:t>11/29/2020</a:t>
             </a:fld>
             <a:endParaRPr lang="en-US">
               <a:cs typeface="Arial" charset="0"/>
@@ -6936,8 +6936,12 @@
           <a:lstStyle/>
           <a:p>
             <a:r>
+              <a:rPr lang="en-US" sz="2000" dirty="0" err="1"/>
+              <a:t>Sentinal</a:t>
+            </a:r>
+            <a:r>
               <a:rPr lang="en-US" sz="2000" dirty="0"/>
-              <a:t>Current Random COVID-19 Testing at </a:t>
+              <a:t> COVID-19 Testing at </a:t>
             </a:r>
             <a:r>
               <a:rPr lang="en-US" sz="2000" dirty="0" err="1"/>
@@ -6992,11 +6996,7 @@
             <a:pPr lvl="1"/>
             <a:r>
               <a:rPr lang="en-US" sz="1600" dirty="0"/>
-              <a:t>Other contacts on hold, to quarantine, </a:t>
-            </a:r>
-            <a:r>
-              <a:rPr lang="en-US" sz="1600"/>
-              <a:t>or tested</a:t>
+              <a:t>Other contacts on hold, to quarantine, or tested</a:t>
             </a:r>
           </a:p>
           <a:p>
@@ -7292,7 +7292,28 @@
           <a:bodyPr/>
           <a:lstStyle/>
           <a:p>
-            <a:endParaRPr lang="en-US"/>
+            <a:r>
+              <a:rPr lang="en-US" dirty="0"/>
+              <a:t>Finalize Simulation</a:t>
+            </a:r>
+          </a:p>
+          <a:p>
+            <a:r>
+              <a:rPr lang="en-US" dirty="0"/>
+              <a:t>Use data from West Point testing and simulation to fill in estimators</a:t>
+            </a:r>
+          </a:p>
+          <a:p>
+            <a:r>
+              <a:rPr lang="en-US" dirty="0"/>
+              <a:t>Adjust simulation to match current COVID-19 mitigation efforts at West Point</a:t>
+            </a:r>
+          </a:p>
+          <a:p>
+            <a:pPr marL="0" indent="0">
+              <a:buNone/>
+            </a:pPr>
+            <a:endParaRPr lang="en-US" dirty="0"/>
           </a:p>
         </p:txBody>
       </p:sp>
